--- a/LAB7.pptx
+++ b/LAB7.pptx
@@ -3473,7 +3473,7 @@
           <p:cNvPr id="2" name="Title 1">
             <a:extLst>
               <a:ext uri="{FF2B5EF4-FFF2-40B4-BE49-F238E27FC236}">
-                <a16:creationId xmlns="" xmlns:a16="http://schemas.microsoft.com/office/drawing/2014/main" id="{B7020B28-F156-49C2-B27B-2518E06D7530}"/>
+                <a16:creationId xmlns:a16="http://schemas.microsoft.com/office/drawing/2014/main" xmlns="" id="{B7020B28-F156-49C2-B27B-2518E06D7530}"/>
               </a:ext>
             </a:extLst>
           </p:cNvPr>
@@ -3501,7 +3501,7 @@
           <p:cNvPr id="3" name="Subtitle 2">
             <a:extLst>
               <a:ext uri="{FF2B5EF4-FFF2-40B4-BE49-F238E27FC236}">
-                <a16:creationId xmlns="" xmlns:a16="http://schemas.microsoft.com/office/drawing/2014/main" id="{8E885F0D-F4F8-44CD-8BF3-1E2BAB645D13}"/>
+                <a16:creationId xmlns:a16="http://schemas.microsoft.com/office/drawing/2014/main" xmlns="" id="{8E885F0D-F4F8-44CD-8BF3-1E2BAB645D13}"/>
               </a:ext>
             </a:extLst>
           </p:cNvPr>
@@ -3526,7 +3526,7 @@
           <p:cNvPr id="4" name="Footer Placeholder 3">
             <a:extLst>
               <a:ext uri="{FF2B5EF4-FFF2-40B4-BE49-F238E27FC236}">
-                <a16:creationId xmlns="" xmlns:a16="http://schemas.microsoft.com/office/drawing/2014/main" id="{6DFC0039-D6C0-4DD2-915A-22C8B6C7B847}"/>
+                <a16:creationId xmlns:a16="http://schemas.microsoft.com/office/drawing/2014/main" xmlns="" id="{6DFC0039-D6C0-4DD2-915A-22C8B6C7B847}"/>
               </a:ext>
             </a:extLst>
           </p:cNvPr>
@@ -3584,7 +3584,7 @@
           <p:cNvPr id="2" name="Title 1">
             <a:extLst>
               <a:ext uri="{FF2B5EF4-FFF2-40B4-BE49-F238E27FC236}">
-                <a16:creationId xmlns="" xmlns:a16="http://schemas.microsoft.com/office/drawing/2014/main" id="{76297129-A3C6-4905-9AC9-52BC2B3979A4}"/>
+                <a16:creationId xmlns:a16="http://schemas.microsoft.com/office/drawing/2014/main" xmlns="" id="{76297129-A3C6-4905-9AC9-52BC2B3979A4}"/>
               </a:ext>
             </a:extLst>
           </p:cNvPr>
@@ -3612,7 +3612,7 @@
           <p:cNvPr id="3" name="Content Placeholder 2">
             <a:extLst>
               <a:ext uri="{FF2B5EF4-FFF2-40B4-BE49-F238E27FC236}">
-                <a16:creationId xmlns="" xmlns:a16="http://schemas.microsoft.com/office/drawing/2014/main" id="{711574C4-B694-4736-96B3-69C8F060A020}"/>
+                <a16:creationId xmlns:a16="http://schemas.microsoft.com/office/drawing/2014/main" xmlns="" id="{711574C4-B694-4736-96B3-69C8F060A020}"/>
               </a:ext>
             </a:extLst>
           </p:cNvPr>
@@ -3961,10 +3961,6 @@
               </a:rPr>
               <a:t>"}</a:t>
             </a:r>
-            <a:endParaRPr lang="en-US" sz="2000" dirty="0">
-              <a:latin typeface="Courier New" panose="02070309020205020404" pitchFamily="49" charset="0"/>
-              <a:cs typeface="Courier New" panose="02070309020205020404" pitchFamily="49" charset="0"/>
-            </a:endParaRPr>
           </a:p>
         </p:txBody>
       </p:sp>
@@ -3973,7 +3969,7 @@
           <p:cNvPr id="4" name="Footer Placeholder 3">
             <a:extLst>
               <a:ext uri="{FF2B5EF4-FFF2-40B4-BE49-F238E27FC236}">
-                <a16:creationId xmlns="" xmlns:a16="http://schemas.microsoft.com/office/drawing/2014/main" id="{412BFF60-3652-4B19-A6D3-23D352F72E9D}"/>
+                <a16:creationId xmlns:a16="http://schemas.microsoft.com/office/drawing/2014/main" xmlns="" id="{412BFF60-3652-4B19-A6D3-23D352F72E9D}"/>
               </a:ext>
             </a:extLst>
           </p:cNvPr>
@@ -4031,7 +4027,7 @@
           <p:cNvPr id="2" name="Title 1">
             <a:extLst>
               <a:ext uri="{FF2B5EF4-FFF2-40B4-BE49-F238E27FC236}">
-                <a16:creationId xmlns="" xmlns:a16="http://schemas.microsoft.com/office/drawing/2014/main" id="{7FF10F5B-3888-412B-AA6C-7623E5318FEF}"/>
+                <a16:creationId xmlns:a16="http://schemas.microsoft.com/office/drawing/2014/main" xmlns="" id="{7FF10F5B-3888-412B-AA6C-7623E5318FEF}"/>
               </a:ext>
             </a:extLst>
           </p:cNvPr>
@@ -4059,7 +4055,7 @@
           <p:cNvPr id="3" name="Content Placeholder 2">
             <a:extLst>
               <a:ext uri="{FF2B5EF4-FFF2-40B4-BE49-F238E27FC236}">
-                <a16:creationId xmlns="" xmlns:a16="http://schemas.microsoft.com/office/drawing/2014/main" id="{84277EE6-E2AE-4DD4-9EDB-5ACD9FC6E157}"/>
+                <a16:creationId xmlns:a16="http://schemas.microsoft.com/office/drawing/2014/main" xmlns="" id="{84277EE6-E2AE-4DD4-9EDB-5ACD9FC6E157}"/>
               </a:ext>
             </a:extLst>
           </p:cNvPr>
@@ -4202,112 +4198,112 @@
               <a:buNone/>
             </a:pPr>
             <a:r>
+              <a:rPr lang="en-US" dirty="0" err="1" smtClean="0">
+                <a:solidFill>
+                  <a:schemeClr val="accent5"/>
+                </a:solidFill>
+                <a:latin typeface="Courier New" panose="02070309020205020404" pitchFamily="49" charset="0"/>
+                <a:cs typeface="Courier New" panose="02070309020205020404" pitchFamily="49" charset="0"/>
+              </a:rPr>
+              <a:t>app</a:t>
+            </a:r>
+            <a:r>
+              <a:rPr lang="en-US" dirty="0" err="1" smtClean="0">
+                <a:latin typeface="Courier New" panose="02070309020205020404" pitchFamily="49" charset="0"/>
+                <a:cs typeface="Courier New" panose="02070309020205020404" pitchFamily="49" charset="0"/>
+              </a:rPr>
+              <a:t>.</a:t>
+            </a:r>
+            <a:r>
+              <a:rPr lang="en-US" dirty="0" err="1" smtClean="0">
+                <a:solidFill>
+                  <a:schemeClr val="accent4"/>
+                </a:solidFill>
+                <a:latin typeface="Courier New" panose="02070309020205020404" pitchFamily="49" charset="0"/>
+                <a:cs typeface="Courier New" panose="02070309020205020404" pitchFamily="49" charset="0"/>
+              </a:rPr>
+              <a:t>post</a:t>
+            </a:r>
+            <a:r>
+              <a:rPr lang="en-US" dirty="0" smtClean="0">
+                <a:latin typeface="Courier New" panose="02070309020205020404" pitchFamily="49" charset="0"/>
+                <a:cs typeface="Courier New" panose="02070309020205020404" pitchFamily="49" charset="0"/>
+              </a:rPr>
+              <a:t>(</a:t>
+            </a:r>
+            <a:r>
+              <a:rPr lang="en-US" dirty="0">
+                <a:solidFill>
+                  <a:schemeClr val="accent2"/>
+                </a:solidFill>
+                <a:latin typeface="Courier New" panose="02070309020205020404" pitchFamily="49" charset="0"/>
+                <a:cs typeface="Courier New" panose="02070309020205020404" pitchFamily="49" charset="0"/>
+              </a:rPr>
+              <a:t>“/users/</a:t>
+            </a:r>
+            <a:r>
               <a:rPr lang="en-US" dirty="0" err="1">
                 <a:solidFill>
+                  <a:schemeClr val="accent2"/>
+                </a:solidFill>
+                <a:latin typeface="Courier New" panose="02070309020205020404" pitchFamily="49" charset="0"/>
+                <a:cs typeface="Courier New" panose="02070309020205020404" pitchFamily="49" charset="0"/>
+              </a:rPr>
+              <a:t>addUser</a:t>
+            </a:r>
+            <a:r>
+              <a:rPr lang="en-US" dirty="0">
+                <a:solidFill>
+                  <a:schemeClr val="accent2"/>
+                </a:solidFill>
+                <a:latin typeface="Courier New" panose="02070309020205020404" pitchFamily="49" charset="0"/>
+                <a:cs typeface="Courier New" panose="02070309020205020404" pitchFamily="49" charset="0"/>
+              </a:rPr>
+              <a:t>”</a:t>
+            </a:r>
+            <a:r>
+              <a:rPr lang="en-US" dirty="0" smtClean="0">
+                <a:latin typeface="Courier New" panose="02070309020205020404" pitchFamily="49" charset="0"/>
+                <a:cs typeface="Courier New" panose="02070309020205020404" pitchFamily="49" charset="0"/>
+              </a:rPr>
+              <a:t>, (</a:t>
+            </a:r>
+            <a:r>
+              <a:rPr lang="en-US" dirty="0" err="1" smtClean="0">
+                <a:solidFill>
                   <a:schemeClr val="accent5"/>
                 </a:solidFill>
                 <a:latin typeface="Courier New" panose="02070309020205020404" pitchFamily="49" charset="0"/>
                 <a:cs typeface="Courier New" panose="02070309020205020404" pitchFamily="49" charset="0"/>
               </a:rPr>
-              <a:t>app</a:t>
-            </a:r>
-            <a:r>
-              <a:rPr lang="en-US" dirty="0" err="1">
-                <a:latin typeface="Courier New" panose="02070309020205020404" pitchFamily="49" charset="0"/>
-                <a:cs typeface="Courier New" panose="02070309020205020404" pitchFamily="49" charset="0"/>
-              </a:rPr>
-              <a:t>.</a:t>
-            </a:r>
-            <a:r>
-              <a:rPr lang="en-US" dirty="0" err="1">
-                <a:solidFill>
-                  <a:schemeClr val="accent4"/>
-                </a:solidFill>
-                <a:latin typeface="Courier New" panose="02070309020205020404" pitchFamily="49" charset="0"/>
-                <a:cs typeface="Courier New" panose="02070309020205020404" pitchFamily="49" charset="0"/>
-              </a:rPr>
-              <a:t>post</a:t>
-            </a:r>
-            <a:r>
-              <a:rPr lang="en-US" dirty="0">
-                <a:latin typeface="Courier New" panose="02070309020205020404" pitchFamily="49" charset="0"/>
-                <a:cs typeface="Courier New" panose="02070309020205020404" pitchFamily="49" charset="0"/>
-              </a:rPr>
-              <a:t>(</a:t>
-            </a:r>
-            <a:r>
-              <a:rPr lang="en-US" dirty="0">
-                <a:solidFill>
-                  <a:schemeClr val="accent2"/>
-                </a:solidFill>
-                <a:latin typeface="Courier New" panose="02070309020205020404" pitchFamily="49" charset="0"/>
-                <a:cs typeface="Courier New" panose="02070309020205020404" pitchFamily="49" charset="0"/>
-              </a:rPr>
-              <a:t>“/</a:t>
-            </a:r>
-            <a:r>
-              <a:rPr lang="en-US" dirty="0" err="1">
-                <a:solidFill>
-                  <a:schemeClr val="accent2"/>
-                </a:solidFill>
-                <a:latin typeface="Courier New" panose="02070309020205020404" pitchFamily="49" charset="0"/>
-                <a:cs typeface="Courier New" panose="02070309020205020404" pitchFamily="49" charset="0"/>
-              </a:rPr>
-              <a:t>api</a:t>
-            </a:r>
-            <a:r>
-              <a:rPr lang="en-US" dirty="0">
-                <a:solidFill>
-                  <a:schemeClr val="accent2"/>
-                </a:solidFill>
-                <a:latin typeface="Courier New" panose="02070309020205020404" pitchFamily="49" charset="0"/>
-                <a:cs typeface="Courier New" panose="02070309020205020404" pitchFamily="49" charset="0"/>
-              </a:rPr>
-              <a:t>/usernames”</a:t>
-            </a:r>
-            <a:r>
-              <a:rPr lang="en-US" dirty="0">
-                <a:latin typeface="Courier New" panose="02070309020205020404" pitchFamily="49" charset="0"/>
-                <a:cs typeface="Courier New" panose="02070309020205020404" pitchFamily="49" charset="0"/>
-              </a:rPr>
-              <a:t>, (</a:t>
-            </a:r>
-            <a:r>
-              <a:rPr lang="en-US" dirty="0">
+              <a:t>req</a:t>
+            </a:r>
+            <a:r>
+              <a:rPr lang="en-US" dirty="0" smtClean="0">
+                <a:latin typeface="Courier New" panose="02070309020205020404" pitchFamily="49" charset="0"/>
+                <a:cs typeface="Courier New" panose="02070309020205020404" pitchFamily="49" charset="0"/>
+              </a:rPr>
+              <a:t>, </a:t>
+            </a:r>
+            <a:r>
+              <a:rPr lang="en-US" dirty="0" smtClean="0">
                 <a:solidFill>
                   <a:schemeClr val="accent5"/>
                 </a:solidFill>
                 <a:latin typeface="Courier New" panose="02070309020205020404" pitchFamily="49" charset="0"/>
                 <a:cs typeface="Courier New" panose="02070309020205020404" pitchFamily="49" charset="0"/>
               </a:rPr>
-              <a:t>req</a:t>
-            </a:r>
-            <a:r>
-              <a:rPr lang="en-US" dirty="0">
-                <a:latin typeface="Courier New" panose="02070309020205020404" pitchFamily="49" charset="0"/>
-                <a:cs typeface="Courier New" panose="02070309020205020404" pitchFamily="49" charset="0"/>
-              </a:rPr>
-              <a:t>, </a:t>
-            </a:r>
-            <a:r>
-              <a:rPr lang="en-US" dirty="0">
-                <a:solidFill>
-                  <a:schemeClr val="accent5"/>
-                </a:solidFill>
-                <a:latin typeface="Courier New" panose="02070309020205020404" pitchFamily="49" charset="0"/>
-                <a:cs typeface="Courier New" panose="02070309020205020404" pitchFamily="49" charset="0"/>
-              </a:rPr>
               <a:t>res</a:t>
             </a:r>
             <a:r>
-              <a:rPr lang="en-US" dirty="0">
+              <a:rPr lang="en-US" dirty="0" smtClean="0">
                 <a:latin typeface="Courier New" panose="02070309020205020404" pitchFamily="49" charset="0"/>
                 <a:cs typeface="Courier New" panose="02070309020205020404" pitchFamily="49" charset="0"/>
               </a:rPr>
               <a:t>) </a:t>
             </a:r>
             <a:r>
-              <a:rPr lang="en-US" dirty="0">
+              <a:rPr lang="en-US" dirty="0" smtClean="0">
                 <a:solidFill>
                   <a:schemeClr val="accent1"/>
                 </a:solidFill>
@@ -4317,7 +4313,7 @@
               <a:t>=&gt;</a:t>
             </a:r>
             <a:r>
-              <a:rPr lang="en-US" dirty="0">
+              <a:rPr lang="en-US" dirty="0" smtClean="0">
                 <a:latin typeface="Courier New" panose="02070309020205020404" pitchFamily="49" charset="0"/>
                 <a:cs typeface="Courier New" panose="02070309020205020404" pitchFamily="49" charset="0"/>
               </a:rPr>
@@ -4737,7 +4733,7 @@
           <p:cNvPr id="4" name="Footer Placeholder 3">
             <a:extLst>
               <a:ext uri="{FF2B5EF4-FFF2-40B4-BE49-F238E27FC236}">
-                <a16:creationId xmlns="" xmlns:a16="http://schemas.microsoft.com/office/drawing/2014/main" id="{2BE6FFCB-702A-4BCA-99C9-A714AE5C833A}"/>
+                <a16:creationId xmlns:a16="http://schemas.microsoft.com/office/drawing/2014/main" xmlns="" id="{2BE6FFCB-702A-4BCA-99C9-A714AE5C833A}"/>
               </a:ext>
             </a:extLst>
           </p:cNvPr>
@@ -4766,7 +4762,7 @@
             <a:hlinkClick r:id="rId2" action="ppaction://hlinkfile"/>
             <a:extLst>
               <a:ext uri="{FF2B5EF4-FFF2-40B4-BE49-F238E27FC236}">
-                <a16:creationId xmlns="" xmlns:a16="http://schemas.microsoft.com/office/drawing/2014/main" id="{B4A8F94D-3585-4142-BA25-750465463B25}"/>
+                <a16:creationId xmlns:a16="http://schemas.microsoft.com/office/drawing/2014/main" xmlns="" id="{B4A8F94D-3585-4142-BA25-750465463B25}"/>
               </a:ext>
             </a:extLst>
           </p:cNvPr>
@@ -4782,7 +4778,7 @@
                 <a14:useLocalDpi xmlns:a14="http://schemas.microsoft.com/office/drawing/2010/main" val="0"/>
               </a:ext>
               <a:ext uri="{96DAC541-7B7A-43D3-8B79-37D633B846F1}">
-                <asvg:svgBlip xmlns="" xmlns:asvg="http://schemas.microsoft.com/office/drawing/2016/SVG/main" r:embed="rId4"/>
+                <asvg:svgBlip xmlns:asvg="http://schemas.microsoft.com/office/drawing/2016/SVG/main" xmlns="" r:embed="rId4"/>
               </a:ext>
             </a:extLst>
           </a:blip>
@@ -4805,7 +4801,7 @@
           <p:cNvPr id="6" name="TextBox 5">
             <a:extLst>
               <a:ext uri="{FF2B5EF4-FFF2-40B4-BE49-F238E27FC236}">
-                <a16:creationId xmlns="" xmlns:a16="http://schemas.microsoft.com/office/drawing/2014/main" id="{8FA16B4D-C045-4D80-B99B-D55EAD3AAE19}"/>
+                <a16:creationId xmlns:a16="http://schemas.microsoft.com/office/drawing/2014/main" xmlns="" id="{8FA16B4D-C045-4D80-B99B-D55EAD3AAE19}"/>
               </a:ext>
             </a:extLst>
           </p:cNvPr>
@@ -4871,7 +4867,7 @@
           <p:cNvPr id="2" name="Title 1">
             <a:extLst>
               <a:ext uri="{FF2B5EF4-FFF2-40B4-BE49-F238E27FC236}">
-                <a16:creationId xmlns="" xmlns:a16="http://schemas.microsoft.com/office/drawing/2014/main" id="{62120E87-D16F-471F-B30A-FEE93CB6DD6A}"/>
+                <a16:creationId xmlns:a16="http://schemas.microsoft.com/office/drawing/2014/main" xmlns="" id="{62120E87-D16F-471F-B30A-FEE93CB6DD6A}"/>
               </a:ext>
             </a:extLst>
           </p:cNvPr>
@@ -4899,7 +4895,7 @@
           <p:cNvPr id="3" name="Content Placeholder 2">
             <a:extLst>
               <a:ext uri="{FF2B5EF4-FFF2-40B4-BE49-F238E27FC236}">
-                <a16:creationId xmlns="" xmlns:a16="http://schemas.microsoft.com/office/drawing/2014/main" id="{C8E8952B-B8CA-4557-BE10-6525BAB608BE}"/>
+                <a16:creationId xmlns:a16="http://schemas.microsoft.com/office/drawing/2014/main" xmlns="" id="{C8E8952B-B8CA-4557-BE10-6525BAB608BE}"/>
               </a:ext>
             </a:extLst>
           </p:cNvPr>
@@ -5049,7 +5045,7 @@
           <p:cNvPr id="4" name="Footer Placeholder 3">
             <a:extLst>
               <a:ext uri="{FF2B5EF4-FFF2-40B4-BE49-F238E27FC236}">
-                <a16:creationId xmlns="" xmlns:a16="http://schemas.microsoft.com/office/drawing/2014/main" id="{C7E697EE-391D-45F5-9FBB-9C11AE532388}"/>
+                <a16:creationId xmlns:a16="http://schemas.microsoft.com/office/drawing/2014/main" xmlns="" id="{C7E697EE-391D-45F5-9FBB-9C11AE532388}"/>
               </a:ext>
             </a:extLst>
           </p:cNvPr>
@@ -5107,7 +5103,7 @@
           <p:cNvPr id="2" name="Title 1">
             <a:extLst>
               <a:ext uri="{FF2B5EF4-FFF2-40B4-BE49-F238E27FC236}">
-                <a16:creationId xmlns="" xmlns:a16="http://schemas.microsoft.com/office/drawing/2014/main" id="{65D54A39-0945-4B30-979B-500E36415239}"/>
+                <a16:creationId xmlns:a16="http://schemas.microsoft.com/office/drawing/2014/main" xmlns="" id="{65D54A39-0945-4B30-979B-500E36415239}"/>
               </a:ext>
             </a:extLst>
           </p:cNvPr>
@@ -5135,7 +5131,7 @@
           <p:cNvPr id="3" name="Content Placeholder 2">
             <a:extLst>
               <a:ext uri="{FF2B5EF4-FFF2-40B4-BE49-F238E27FC236}">
-                <a16:creationId xmlns="" xmlns:a16="http://schemas.microsoft.com/office/drawing/2014/main" id="{5A29227C-27B6-4D4D-8197-007A8F22B730}"/>
+                <a16:creationId xmlns:a16="http://schemas.microsoft.com/office/drawing/2014/main" xmlns="" id="{5A29227C-27B6-4D4D-8197-007A8F22B730}"/>
               </a:ext>
             </a:extLst>
           </p:cNvPr>
@@ -5175,7 +5171,7 @@
           <p:cNvPr id="4" name="Footer Placeholder 3">
             <a:extLst>
               <a:ext uri="{FF2B5EF4-FFF2-40B4-BE49-F238E27FC236}">
-                <a16:creationId xmlns="" xmlns:a16="http://schemas.microsoft.com/office/drawing/2014/main" id="{94DB4CF6-3395-418C-9C08-9F8E3A1C4F2E}"/>
+                <a16:creationId xmlns:a16="http://schemas.microsoft.com/office/drawing/2014/main" xmlns="" id="{94DB4CF6-3395-418C-9C08-9F8E3A1C4F2E}"/>
               </a:ext>
             </a:extLst>
           </p:cNvPr>
@@ -5233,7 +5229,7 @@
           <p:cNvPr id="2" name="Title 1">
             <a:extLst>
               <a:ext uri="{FF2B5EF4-FFF2-40B4-BE49-F238E27FC236}">
-                <a16:creationId xmlns="" xmlns:a16="http://schemas.microsoft.com/office/drawing/2014/main" id="{23443A9E-5D2B-4C7C-B786-C7D3EC03E281}"/>
+                <a16:creationId xmlns:a16="http://schemas.microsoft.com/office/drawing/2014/main" xmlns="" id="{23443A9E-5D2B-4C7C-B786-C7D3EC03E281}"/>
               </a:ext>
             </a:extLst>
           </p:cNvPr>
@@ -5261,7 +5257,7 @@
           <p:cNvPr id="5" name="Text Placeholder 4">
             <a:extLst>
               <a:ext uri="{FF2B5EF4-FFF2-40B4-BE49-F238E27FC236}">
-                <a16:creationId xmlns="" xmlns:a16="http://schemas.microsoft.com/office/drawing/2014/main" id="{F4904CDD-643F-4128-BFCC-7A31F7E0B14B}"/>
+                <a16:creationId xmlns:a16="http://schemas.microsoft.com/office/drawing/2014/main" xmlns="" id="{F4904CDD-643F-4128-BFCC-7A31F7E0B14B}"/>
               </a:ext>
             </a:extLst>
           </p:cNvPr>
@@ -5286,7 +5282,7 @@
           <p:cNvPr id="4" name="Footer Placeholder 3">
             <a:extLst>
               <a:ext uri="{FF2B5EF4-FFF2-40B4-BE49-F238E27FC236}">
-                <a16:creationId xmlns="" xmlns:a16="http://schemas.microsoft.com/office/drawing/2014/main" id="{BEC0DD59-D3D6-499F-A545-1C2082B37DDA}"/>
+                <a16:creationId xmlns:a16="http://schemas.microsoft.com/office/drawing/2014/main" xmlns="" id="{BEC0DD59-D3D6-499F-A545-1C2082B37DDA}"/>
               </a:ext>
             </a:extLst>
           </p:cNvPr>
@@ -5344,7 +5340,7 @@
           <p:cNvPr id="4" name="Footer Placeholder 3">
             <a:extLst>
               <a:ext uri="{FF2B5EF4-FFF2-40B4-BE49-F238E27FC236}">
-                <a16:creationId xmlns="" xmlns:a16="http://schemas.microsoft.com/office/drawing/2014/main" id="{E9AF293C-5B92-4FD1-9505-33806EBED430}"/>
+                <a16:creationId xmlns:a16="http://schemas.microsoft.com/office/drawing/2014/main" xmlns="" id="{E9AF293C-5B92-4FD1-9505-33806EBED430}"/>
               </a:ext>
             </a:extLst>
           </p:cNvPr>
@@ -5372,7 +5368,7 @@
           <p:cNvPr id="5" name="Rectangle 4">
             <a:extLst>
               <a:ext uri="{FF2B5EF4-FFF2-40B4-BE49-F238E27FC236}">
-                <a16:creationId xmlns="" xmlns:a16="http://schemas.microsoft.com/office/drawing/2014/main" id="{ED39D879-D796-4CA1-9C82-C642D69BF12E}"/>
+                <a16:creationId xmlns:a16="http://schemas.microsoft.com/office/drawing/2014/main" xmlns="" id="{ED39D879-D796-4CA1-9C82-C642D69BF12E}"/>
               </a:ext>
             </a:extLst>
           </p:cNvPr>
@@ -5590,7 +5586,7 @@
           <p:cNvPr id="6" name="Rectangle 5">
             <a:extLst>
               <a:ext uri="{FF2B5EF4-FFF2-40B4-BE49-F238E27FC236}">
-                <a16:creationId xmlns="" xmlns:a16="http://schemas.microsoft.com/office/drawing/2014/main" id="{2BEB7034-1BE9-4AF6-BAC9-D1BF0D78F0A0}"/>
+                <a16:creationId xmlns:a16="http://schemas.microsoft.com/office/drawing/2014/main" xmlns="" id="{2BEB7034-1BE9-4AF6-BAC9-D1BF0D78F0A0}"/>
               </a:ext>
             </a:extLst>
           </p:cNvPr>
@@ -5773,7 +5769,7 @@
           <p:cNvPr id="7" name="Rectangle 6">
             <a:extLst>
               <a:ext uri="{FF2B5EF4-FFF2-40B4-BE49-F238E27FC236}">
-                <a16:creationId xmlns="" xmlns:a16="http://schemas.microsoft.com/office/drawing/2014/main" id="{F0FF7923-D9E6-4575-A537-D5B86B449066}"/>
+                <a16:creationId xmlns:a16="http://schemas.microsoft.com/office/drawing/2014/main" xmlns="" id="{F0FF7923-D9E6-4575-A537-D5B86B449066}"/>
               </a:ext>
             </a:extLst>
           </p:cNvPr>
@@ -5956,7 +5952,7 @@
           <p:cNvPr id="8" name="Rectangle 7">
             <a:extLst>
               <a:ext uri="{FF2B5EF4-FFF2-40B4-BE49-F238E27FC236}">
-                <a16:creationId xmlns="" xmlns:a16="http://schemas.microsoft.com/office/drawing/2014/main" id="{6E713181-9532-40F7-8D55-4EEF610C978D}"/>
+                <a16:creationId xmlns:a16="http://schemas.microsoft.com/office/drawing/2014/main" xmlns="" id="{6E713181-9532-40F7-8D55-4EEF610C978D}"/>
               </a:ext>
             </a:extLst>
           </p:cNvPr>
@@ -6139,7 +6135,7 @@
           <p:cNvPr id="9" name="Rectangle 8">
             <a:extLst>
               <a:ext uri="{FF2B5EF4-FFF2-40B4-BE49-F238E27FC236}">
-                <a16:creationId xmlns="" xmlns:a16="http://schemas.microsoft.com/office/drawing/2014/main" id="{ADB54EA5-7754-48DF-A6C4-737899AF2F8B}"/>
+                <a16:creationId xmlns:a16="http://schemas.microsoft.com/office/drawing/2014/main" xmlns="" id="{ADB54EA5-7754-48DF-A6C4-737899AF2F8B}"/>
               </a:ext>
             </a:extLst>
           </p:cNvPr>
@@ -6365,7 +6361,7 @@
           <p:cNvPr id="10" name="Rectangle 9">
             <a:extLst>
               <a:ext uri="{FF2B5EF4-FFF2-40B4-BE49-F238E27FC236}">
-                <a16:creationId xmlns="" xmlns:a16="http://schemas.microsoft.com/office/drawing/2014/main" id="{65CB6AF1-46C4-4F4D-8D47-7BA815EE768E}"/>
+                <a16:creationId xmlns:a16="http://schemas.microsoft.com/office/drawing/2014/main" xmlns="" id="{65CB6AF1-46C4-4F4D-8D47-7BA815EE768E}"/>
               </a:ext>
             </a:extLst>
           </p:cNvPr>
@@ -6548,7 +6544,7 @@
           <p:cNvPr id="11" name="Rectangle 10">
             <a:extLst>
               <a:ext uri="{FF2B5EF4-FFF2-40B4-BE49-F238E27FC236}">
-                <a16:creationId xmlns="" xmlns:a16="http://schemas.microsoft.com/office/drawing/2014/main" id="{CFEB252C-845A-4752-B5F2-3E1AA6A0E65B}"/>
+                <a16:creationId xmlns:a16="http://schemas.microsoft.com/office/drawing/2014/main" xmlns="" id="{CFEB252C-845A-4752-B5F2-3E1AA6A0E65B}"/>
               </a:ext>
             </a:extLst>
           </p:cNvPr>
@@ -6731,7 +6727,7 @@
           <p:cNvPr id="12" name="Rectangle 11">
             <a:extLst>
               <a:ext uri="{FF2B5EF4-FFF2-40B4-BE49-F238E27FC236}">
-                <a16:creationId xmlns="" xmlns:a16="http://schemas.microsoft.com/office/drawing/2014/main" id="{E65F6D49-1DA4-477C-96A1-02FF835A8B16}"/>
+                <a16:creationId xmlns:a16="http://schemas.microsoft.com/office/drawing/2014/main" xmlns="" id="{E65F6D49-1DA4-477C-96A1-02FF835A8B16}"/>
               </a:ext>
             </a:extLst>
           </p:cNvPr>
@@ -6914,7 +6910,7 @@
           <p:cNvPr id="13" name="Rectangle 12">
             <a:extLst>
               <a:ext uri="{FF2B5EF4-FFF2-40B4-BE49-F238E27FC236}">
-                <a16:creationId xmlns="" xmlns:a16="http://schemas.microsoft.com/office/drawing/2014/main" id="{65517EB3-BBBC-45FE-B43D-CEE1C72F5B88}"/>
+                <a16:creationId xmlns:a16="http://schemas.microsoft.com/office/drawing/2014/main" xmlns="" id="{65517EB3-BBBC-45FE-B43D-CEE1C72F5B88}"/>
               </a:ext>
             </a:extLst>
           </p:cNvPr>
@@ -7097,7 +7093,7 @@
           <p:cNvPr id="14" name="Rectangle 13">
             <a:extLst>
               <a:ext uri="{FF2B5EF4-FFF2-40B4-BE49-F238E27FC236}">
-                <a16:creationId xmlns="" xmlns:a16="http://schemas.microsoft.com/office/drawing/2014/main" id="{2EE45D79-93F4-4021-A7BA-033C2265D9DD}"/>
+                <a16:creationId xmlns:a16="http://schemas.microsoft.com/office/drawing/2014/main" xmlns="" id="{2EE45D79-93F4-4021-A7BA-033C2265D9DD}"/>
               </a:ext>
             </a:extLst>
           </p:cNvPr>
@@ -7323,7 +7319,7 @@
           <p:cNvPr id="15" name="Rectangle 14">
             <a:extLst>
               <a:ext uri="{FF2B5EF4-FFF2-40B4-BE49-F238E27FC236}">
-                <a16:creationId xmlns="" xmlns:a16="http://schemas.microsoft.com/office/drawing/2014/main" id="{DACE9BE7-F9B3-4197-BDB4-94327BF01657}"/>
+                <a16:creationId xmlns:a16="http://schemas.microsoft.com/office/drawing/2014/main" xmlns="" id="{DACE9BE7-F9B3-4197-BDB4-94327BF01657}"/>
               </a:ext>
             </a:extLst>
           </p:cNvPr>
@@ -7546,7 +7542,7 @@
           <p:cNvPr id="16" name="Rectangle 15">
             <a:extLst>
               <a:ext uri="{FF2B5EF4-FFF2-40B4-BE49-F238E27FC236}">
-                <a16:creationId xmlns="" xmlns:a16="http://schemas.microsoft.com/office/drawing/2014/main" id="{58FD13F3-DCBA-486A-BF30-0D57F21FF0CA}"/>
+                <a16:creationId xmlns:a16="http://schemas.microsoft.com/office/drawing/2014/main" xmlns="" id="{58FD13F3-DCBA-486A-BF30-0D57F21FF0CA}"/>
               </a:ext>
             </a:extLst>
           </p:cNvPr>
@@ -7729,7 +7725,7 @@
           <p:cNvPr id="17" name="Rectangle 16">
             <a:extLst>
               <a:ext uri="{FF2B5EF4-FFF2-40B4-BE49-F238E27FC236}">
-                <a16:creationId xmlns="" xmlns:a16="http://schemas.microsoft.com/office/drawing/2014/main" id="{3F9E6DD0-28A0-456E-A360-13C82C8591FD}"/>
+                <a16:creationId xmlns:a16="http://schemas.microsoft.com/office/drawing/2014/main" xmlns="" id="{3F9E6DD0-28A0-456E-A360-13C82C8591FD}"/>
               </a:ext>
             </a:extLst>
           </p:cNvPr>
@@ -7917,7 +7913,7 @@
           <p:cNvPr id="18" name="Rectangle 17">
             <a:extLst>
               <a:ext uri="{FF2B5EF4-FFF2-40B4-BE49-F238E27FC236}">
-                <a16:creationId xmlns="" xmlns:a16="http://schemas.microsoft.com/office/drawing/2014/main" id="{F3DE3B63-D5B2-4E2C-A027-848E319D0CDD}"/>
+                <a16:creationId xmlns:a16="http://schemas.microsoft.com/office/drawing/2014/main" xmlns="" id="{F3DE3B63-D5B2-4E2C-A027-848E319D0CDD}"/>
               </a:ext>
             </a:extLst>
           </p:cNvPr>
@@ -8135,7 +8131,7 @@
           <p:cNvPr id="19" name="Rectangle 18">
             <a:extLst>
               <a:ext uri="{FF2B5EF4-FFF2-40B4-BE49-F238E27FC236}">
-                <a16:creationId xmlns="" xmlns:a16="http://schemas.microsoft.com/office/drawing/2014/main" id="{A1DA12AE-DEFA-4E26-83AC-471ED80ED7E5}"/>
+                <a16:creationId xmlns:a16="http://schemas.microsoft.com/office/drawing/2014/main" xmlns="" id="{A1DA12AE-DEFA-4E26-83AC-471ED80ED7E5}"/>
               </a:ext>
             </a:extLst>
           </p:cNvPr>
@@ -8334,7 +8330,7 @@
           <p:cNvPr id="20" name="Rectangle 19">
             <a:extLst>
               <a:ext uri="{FF2B5EF4-FFF2-40B4-BE49-F238E27FC236}">
-                <a16:creationId xmlns="" xmlns:a16="http://schemas.microsoft.com/office/drawing/2014/main" id="{9747A3BA-147A-40D6-BE1B-6F5904F17BA6}"/>
+                <a16:creationId xmlns:a16="http://schemas.microsoft.com/office/drawing/2014/main" xmlns="" id="{9747A3BA-147A-40D6-BE1B-6F5904F17BA6}"/>
               </a:ext>
             </a:extLst>
           </p:cNvPr>
@@ -8517,7 +8513,7 @@
           <p:cNvPr id="21" name="Rectangle 20">
             <a:extLst>
               <a:ext uri="{FF2B5EF4-FFF2-40B4-BE49-F238E27FC236}">
-                <a16:creationId xmlns="" xmlns:a16="http://schemas.microsoft.com/office/drawing/2014/main" id="{6B2018EA-C323-47E7-91FB-A54BD72A1503}"/>
+                <a16:creationId xmlns:a16="http://schemas.microsoft.com/office/drawing/2014/main" xmlns="" id="{6B2018EA-C323-47E7-91FB-A54BD72A1503}"/>
               </a:ext>
             </a:extLst>
           </p:cNvPr>
@@ -8700,7 +8696,7 @@
           <p:cNvPr id="22" name="Straight Arrow Connector 21">
             <a:extLst>
               <a:ext uri="{FF2B5EF4-FFF2-40B4-BE49-F238E27FC236}">
-                <a16:creationId xmlns="" xmlns:a16="http://schemas.microsoft.com/office/drawing/2014/main" id="{7A7287FB-46CD-4CBD-949A-4F9101D4B1EE}"/>
+                <a16:creationId xmlns:a16="http://schemas.microsoft.com/office/drawing/2014/main" xmlns="" id="{7A7287FB-46CD-4CBD-949A-4F9101D4B1EE}"/>
               </a:ext>
             </a:extLst>
           </p:cNvPr>
@@ -8742,7 +8738,7 @@
           <p:cNvPr id="23" name="Straight Arrow Connector 22">
             <a:extLst>
               <a:ext uri="{FF2B5EF4-FFF2-40B4-BE49-F238E27FC236}">
-                <a16:creationId xmlns="" xmlns:a16="http://schemas.microsoft.com/office/drawing/2014/main" id="{F7BE2E82-4FDA-47B8-83B9-AD7229E71B45}"/>
+                <a16:creationId xmlns:a16="http://schemas.microsoft.com/office/drawing/2014/main" xmlns="" id="{F7BE2E82-4FDA-47B8-83B9-AD7229E71B45}"/>
               </a:ext>
             </a:extLst>
           </p:cNvPr>
@@ -8784,7 +8780,7 @@
           <p:cNvPr id="24" name="Straight Arrow Connector 23">
             <a:extLst>
               <a:ext uri="{FF2B5EF4-FFF2-40B4-BE49-F238E27FC236}">
-                <a16:creationId xmlns="" xmlns:a16="http://schemas.microsoft.com/office/drawing/2014/main" id="{0A2462BF-6467-451E-A1FB-E140D2B4386C}"/>
+                <a16:creationId xmlns:a16="http://schemas.microsoft.com/office/drawing/2014/main" xmlns="" id="{0A2462BF-6467-451E-A1FB-E140D2B4386C}"/>
               </a:ext>
             </a:extLst>
           </p:cNvPr>
@@ -8826,7 +8822,7 @@
           <p:cNvPr id="25" name="Straight Arrow Connector 24">
             <a:extLst>
               <a:ext uri="{FF2B5EF4-FFF2-40B4-BE49-F238E27FC236}">
-                <a16:creationId xmlns="" xmlns:a16="http://schemas.microsoft.com/office/drawing/2014/main" id="{C80708BA-4E0F-4ADA-8743-2FD858807889}"/>
+                <a16:creationId xmlns:a16="http://schemas.microsoft.com/office/drawing/2014/main" xmlns="" id="{C80708BA-4E0F-4ADA-8743-2FD858807889}"/>
               </a:ext>
             </a:extLst>
           </p:cNvPr>
@@ -8868,7 +8864,7 @@
           <p:cNvPr id="26" name="Rectangle 25">
             <a:extLst>
               <a:ext uri="{FF2B5EF4-FFF2-40B4-BE49-F238E27FC236}">
-                <a16:creationId xmlns="" xmlns:a16="http://schemas.microsoft.com/office/drawing/2014/main" id="{A3EA038B-40B6-4027-A502-E5C01D12BE58}"/>
+                <a16:creationId xmlns:a16="http://schemas.microsoft.com/office/drawing/2014/main" xmlns="" id="{A3EA038B-40B6-4027-A502-E5C01D12BE58}"/>
               </a:ext>
             </a:extLst>
           </p:cNvPr>
@@ -9051,7 +9047,7 @@
           <p:cNvPr id="27" name="Rectangle 26">
             <a:extLst>
               <a:ext uri="{FF2B5EF4-FFF2-40B4-BE49-F238E27FC236}">
-                <a16:creationId xmlns="" xmlns:a16="http://schemas.microsoft.com/office/drawing/2014/main" id="{BDCC96FE-6180-4C54-9D32-70E3EACA8C93}"/>
+                <a16:creationId xmlns:a16="http://schemas.microsoft.com/office/drawing/2014/main" xmlns="" id="{BDCC96FE-6180-4C54-9D32-70E3EACA8C93}"/>
               </a:ext>
             </a:extLst>
           </p:cNvPr>
@@ -9234,7 +9230,7 @@
           <p:cNvPr id="28" name="Rectangle 27">
             <a:extLst>
               <a:ext uri="{FF2B5EF4-FFF2-40B4-BE49-F238E27FC236}">
-                <a16:creationId xmlns="" xmlns:a16="http://schemas.microsoft.com/office/drawing/2014/main" id="{B6A7E8EA-C593-4DC9-9D96-4EA2490AFD7C}"/>
+                <a16:creationId xmlns:a16="http://schemas.microsoft.com/office/drawing/2014/main" xmlns="" id="{B6A7E8EA-C593-4DC9-9D96-4EA2490AFD7C}"/>
               </a:ext>
             </a:extLst>
           </p:cNvPr>
@@ -9447,7 +9443,7 @@
           <p:cNvPr id="2" name="Title 1">
             <a:extLst>
               <a:ext uri="{FF2B5EF4-FFF2-40B4-BE49-F238E27FC236}">
-                <a16:creationId xmlns="" xmlns:a16="http://schemas.microsoft.com/office/drawing/2014/main" id="{408D862F-C952-45F0-AB00-81BB10A25B9D}"/>
+                <a16:creationId xmlns:a16="http://schemas.microsoft.com/office/drawing/2014/main" xmlns="" id="{408D862F-C952-45F0-AB00-81BB10A25B9D}"/>
               </a:ext>
             </a:extLst>
           </p:cNvPr>
@@ -9475,7 +9471,7 @@
           <p:cNvPr id="3" name="Content Placeholder 2">
             <a:extLst>
               <a:ext uri="{FF2B5EF4-FFF2-40B4-BE49-F238E27FC236}">
-                <a16:creationId xmlns="" xmlns:a16="http://schemas.microsoft.com/office/drawing/2014/main" id="{FE34D843-5D87-4546-B4A5-2E834C7B74A7}"/>
+                <a16:creationId xmlns:a16="http://schemas.microsoft.com/office/drawing/2014/main" xmlns="" id="{FE34D843-5D87-4546-B4A5-2E834C7B74A7}"/>
               </a:ext>
             </a:extLst>
           </p:cNvPr>
@@ -9610,7 +9606,7 @@
           <p:cNvPr id="4" name="Footer Placeholder 3">
             <a:extLst>
               <a:ext uri="{FF2B5EF4-FFF2-40B4-BE49-F238E27FC236}">
-                <a16:creationId xmlns="" xmlns:a16="http://schemas.microsoft.com/office/drawing/2014/main" id="{AE0358C6-3F88-458E-8BF8-F980B00F45F2}"/>
+                <a16:creationId xmlns:a16="http://schemas.microsoft.com/office/drawing/2014/main" xmlns="" id="{AE0358C6-3F88-458E-8BF8-F980B00F45F2}"/>
               </a:ext>
             </a:extLst>
           </p:cNvPr>
@@ -9668,7 +9664,7 @@
           <p:cNvPr id="2" name="Title 1">
             <a:extLst>
               <a:ext uri="{FF2B5EF4-FFF2-40B4-BE49-F238E27FC236}">
-                <a16:creationId xmlns="" xmlns:a16="http://schemas.microsoft.com/office/drawing/2014/main" id="{E3610966-5B51-49F7-ACCC-538D96E65A2F}"/>
+                <a16:creationId xmlns:a16="http://schemas.microsoft.com/office/drawing/2014/main" xmlns="" id="{E3610966-5B51-49F7-ACCC-538D96E65A2F}"/>
               </a:ext>
             </a:extLst>
           </p:cNvPr>
@@ -9696,7 +9692,7 @@
           <p:cNvPr id="3" name="Content Placeholder 2">
             <a:extLst>
               <a:ext uri="{FF2B5EF4-FFF2-40B4-BE49-F238E27FC236}">
-                <a16:creationId xmlns="" xmlns:a16="http://schemas.microsoft.com/office/drawing/2014/main" id="{D156EAB5-2599-47B8-AAD0-1E99D780B9B9}"/>
+                <a16:creationId xmlns:a16="http://schemas.microsoft.com/office/drawing/2014/main" xmlns="" id="{D156EAB5-2599-47B8-AAD0-1E99D780B9B9}"/>
               </a:ext>
             </a:extLst>
           </p:cNvPr>
@@ -10018,7 +10014,7 @@
           <p:cNvPr id="4" name="Footer Placeholder 3">
             <a:extLst>
               <a:ext uri="{FF2B5EF4-FFF2-40B4-BE49-F238E27FC236}">
-                <a16:creationId xmlns="" xmlns:a16="http://schemas.microsoft.com/office/drawing/2014/main" id="{23603947-4474-40FE-9186-9E1F866F3E61}"/>
+                <a16:creationId xmlns:a16="http://schemas.microsoft.com/office/drawing/2014/main" xmlns="" id="{23603947-4474-40FE-9186-9E1F866F3E61}"/>
               </a:ext>
             </a:extLst>
           </p:cNvPr>
@@ -10076,7 +10072,7 @@
           <p:cNvPr id="2" name="Title 1">
             <a:extLst>
               <a:ext uri="{FF2B5EF4-FFF2-40B4-BE49-F238E27FC236}">
-                <a16:creationId xmlns="" xmlns:a16="http://schemas.microsoft.com/office/drawing/2014/main" id="{0BD92192-B8E5-4800-9740-B5DFA46DF529}"/>
+                <a16:creationId xmlns:a16="http://schemas.microsoft.com/office/drawing/2014/main" xmlns="" id="{0BD92192-B8E5-4800-9740-B5DFA46DF529}"/>
               </a:ext>
             </a:extLst>
           </p:cNvPr>
@@ -10104,7 +10100,7 @@
           <p:cNvPr id="3" name="Content Placeholder 2">
             <a:extLst>
               <a:ext uri="{FF2B5EF4-FFF2-40B4-BE49-F238E27FC236}">
-                <a16:creationId xmlns="" xmlns:a16="http://schemas.microsoft.com/office/drawing/2014/main" id="{85359F34-89A9-4DAB-BB79-569915946C68}"/>
+                <a16:creationId xmlns:a16="http://schemas.microsoft.com/office/drawing/2014/main" xmlns="" id="{85359F34-89A9-4DAB-BB79-569915946C68}"/>
               </a:ext>
             </a:extLst>
           </p:cNvPr>
@@ -10686,7 +10682,7 @@
           <p:cNvPr id="4" name="Footer Placeholder 3">
             <a:extLst>
               <a:ext uri="{FF2B5EF4-FFF2-40B4-BE49-F238E27FC236}">
-                <a16:creationId xmlns="" xmlns:a16="http://schemas.microsoft.com/office/drawing/2014/main" id="{1C6FF43B-180D-4300-8792-FABE1F745E4D}"/>
+                <a16:creationId xmlns:a16="http://schemas.microsoft.com/office/drawing/2014/main" xmlns="" id="{1C6FF43B-180D-4300-8792-FABE1F745E4D}"/>
               </a:ext>
             </a:extLst>
           </p:cNvPr>
@@ -10744,7 +10740,7 @@
           <p:cNvPr id="2" name="Title 1">
             <a:extLst>
               <a:ext uri="{FF2B5EF4-FFF2-40B4-BE49-F238E27FC236}">
-                <a16:creationId xmlns="" xmlns:a16="http://schemas.microsoft.com/office/drawing/2014/main" id="{C8F5BF9A-91D3-401D-B1C7-35102A8CC054}"/>
+                <a16:creationId xmlns:a16="http://schemas.microsoft.com/office/drawing/2014/main" xmlns="" id="{C8F5BF9A-91D3-401D-B1C7-35102A8CC054}"/>
               </a:ext>
             </a:extLst>
           </p:cNvPr>
@@ -10772,7 +10768,7 @@
           <p:cNvPr id="3" name="Content Placeholder 2">
             <a:extLst>
               <a:ext uri="{FF2B5EF4-FFF2-40B4-BE49-F238E27FC236}">
-                <a16:creationId xmlns="" xmlns:a16="http://schemas.microsoft.com/office/drawing/2014/main" id="{F4A01CD9-B553-486F-A9A3-DB7204F15C53}"/>
+                <a16:creationId xmlns:a16="http://schemas.microsoft.com/office/drawing/2014/main" xmlns="" id="{F4A01CD9-B553-486F-A9A3-DB7204F15C53}"/>
               </a:ext>
             </a:extLst>
           </p:cNvPr>
@@ -11286,7 +11282,7 @@
           <p:cNvPr id="4" name="Footer Placeholder 3">
             <a:extLst>
               <a:ext uri="{FF2B5EF4-FFF2-40B4-BE49-F238E27FC236}">
-                <a16:creationId xmlns="" xmlns:a16="http://schemas.microsoft.com/office/drawing/2014/main" id="{A917B153-0295-49E9-8055-7A3F768A66D6}"/>
+                <a16:creationId xmlns:a16="http://schemas.microsoft.com/office/drawing/2014/main" xmlns="" id="{A917B153-0295-49E9-8055-7A3F768A66D6}"/>
               </a:ext>
             </a:extLst>
           </p:cNvPr>
@@ -11314,7 +11310,7 @@
           <p:cNvPr id="6" name="TextBox 5">
             <a:extLst>
               <a:ext uri="{FF2B5EF4-FFF2-40B4-BE49-F238E27FC236}">
-                <a16:creationId xmlns="" xmlns:a16="http://schemas.microsoft.com/office/drawing/2014/main" id="{996E1761-42AF-49FF-B1C8-6AA065563A4A}"/>
+                <a16:creationId xmlns:a16="http://schemas.microsoft.com/office/drawing/2014/main" xmlns="" id="{996E1761-42AF-49FF-B1C8-6AA065563A4A}"/>
               </a:ext>
             </a:extLst>
           </p:cNvPr>
@@ -11401,7 +11397,7 @@
           <p:cNvPr id="2" name="Title 1">
             <a:extLst>
               <a:ext uri="{FF2B5EF4-FFF2-40B4-BE49-F238E27FC236}">
-                <a16:creationId xmlns="" xmlns:a16="http://schemas.microsoft.com/office/drawing/2014/main" id="{E33A6464-0B74-4906-92FA-A678410472E8}"/>
+                <a16:creationId xmlns:a16="http://schemas.microsoft.com/office/drawing/2014/main" xmlns="" id="{E33A6464-0B74-4906-92FA-A678410472E8}"/>
               </a:ext>
             </a:extLst>
           </p:cNvPr>
@@ -11429,7 +11425,7 @@
           <p:cNvPr id="3" name="Content Placeholder 2">
             <a:extLst>
               <a:ext uri="{FF2B5EF4-FFF2-40B4-BE49-F238E27FC236}">
-                <a16:creationId xmlns="" xmlns:a16="http://schemas.microsoft.com/office/drawing/2014/main" id="{75D84A29-0624-4B13-BDE7-9070746B63AF}"/>
+                <a16:creationId xmlns:a16="http://schemas.microsoft.com/office/drawing/2014/main" xmlns="" id="{75D84A29-0624-4B13-BDE7-9070746B63AF}"/>
               </a:ext>
             </a:extLst>
           </p:cNvPr>
@@ -11806,7 +11802,7 @@
           <p:cNvPr id="4" name="Footer Placeholder 3">
             <a:extLst>
               <a:ext uri="{FF2B5EF4-FFF2-40B4-BE49-F238E27FC236}">
-                <a16:creationId xmlns="" xmlns:a16="http://schemas.microsoft.com/office/drawing/2014/main" id="{787E73FE-BFB6-4B28-A72F-8828CE7317A7}"/>
+                <a16:creationId xmlns:a16="http://schemas.microsoft.com/office/drawing/2014/main" xmlns="" id="{787E73FE-BFB6-4B28-A72F-8828CE7317A7}"/>
               </a:ext>
             </a:extLst>
           </p:cNvPr>
@@ -11864,7 +11860,7 @@
           <p:cNvPr id="2" name="Title 1">
             <a:extLst>
               <a:ext uri="{FF2B5EF4-FFF2-40B4-BE49-F238E27FC236}">
-                <a16:creationId xmlns="" xmlns:a16="http://schemas.microsoft.com/office/drawing/2014/main" id="{8445A5E8-F3DC-4D3D-97D9-1CC72AA41187}"/>
+                <a16:creationId xmlns:a16="http://schemas.microsoft.com/office/drawing/2014/main" xmlns="" id="{8445A5E8-F3DC-4D3D-97D9-1CC72AA41187}"/>
               </a:ext>
             </a:extLst>
           </p:cNvPr>
@@ -11892,7 +11888,7 @@
           <p:cNvPr id="3" name="Content Placeholder 2">
             <a:extLst>
               <a:ext uri="{FF2B5EF4-FFF2-40B4-BE49-F238E27FC236}">
-                <a16:creationId xmlns="" xmlns:a16="http://schemas.microsoft.com/office/drawing/2014/main" id="{D1EF78AF-FA87-4B65-8B1D-667778DE62B7}"/>
+                <a16:creationId xmlns:a16="http://schemas.microsoft.com/office/drawing/2014/main" xmlns="" id="{D1EF78AF-FA87-4B65-8B1D-667778DE62B7}"/>
               </a:ext>
             </a:extLst>
           </p:cNvPr>
@@ -12625,7 +12621,7 @@
           <p:cNvPr id="4" name="Footer Placeholder 3">
             <a:extLst>
               <a:ext uri="{FF2B5EF4-FFF2-40B4-BE49-F238E27FC236}">
-                <a16:creationId xmlns="" xmlns:a16="http://schemas.microsoft.com/office/drawing/2014/main" id="{0A9DE204-F7AB-4A1F-8229-060738292C7A}"/>
+                <a16:creationId xmlns:a16="http://schemas.microsoft.com/office/drawing/2014/main" xmlns="" id="{0A9DE204-F7AB-4A1F-8229-060738292C7A}"/>
               </a:ext>
             </a:extLst>
           </p:cNvPr>
@@ -12683,7 +12679,7 @@
           <p:cNvPr id="2" name="Title 1">
             <a:extLst>
               <a:ext uri="{FF2B5EF4-FFF2-40B4-BE49-F238E27FC236}">
-                <a16:creationId xmlns="" xmlns:a16="http://schemas.microsoft.com/office/drawing/2014/main" id="{56ABF1D1-684E-4533-934C-F1033C3BD418}"/>
+                <a16:creationId xmlns:a16="http://schemas.microsoft.com/office/drawing/2014/main" xmlns="" id="{56ABF1D1-684E-4533-934C-F1033C3BD418}"/>
               </a:ext>
             </a:extLst>
           </p:cNvPr>
@@ -12711,7 +12707,7 @@
           <p:cNvPr id="3" name="Content Placeholder 2">
             <a:extLst>
               <a:ext uri="{FF2B5EF4-FFF2-40B4-BE49-F238E27FC236}">
-                <a16:creationId xmlns="" xmlns:a16="http://schemas.microsoft.com/office/drawing/2014/main" id="{05F08317-20FA-4370-998A-944284CCD322}"/>
+                <a16:creationId xmlns:a16="http://schemas.microsoft.com/office/drawing/2014/main" xmlns="" id="{05F08317-20FA-4370-998A-944284CCD322}"/>
               </a:ext>
             </a:extLst>
           </p:cNvPr>
@@ -12800,7 +12796,7 @@
           <p:cNvPr id="4" name="Footer Placeholder 3">
             <a:extLst>
               <a:ext uri="{FF2B5EF4-FFF2-40B4-BE49-F238E27FC236}">
-                <a16:creationId xmlns="" xmlns:a16="http://schemas.microsoft.com/office/drawing/2014/main" id="{232733E3-F3BA-4F5E-967C-96C5194C8918}"/>
+                <a16:creationId xmlns:a16="http://schemas.microsoft.com/office/drawing/2014/main" xmlns="" id="{232733E3-F3BA-4F5E-967C-96C5194C8918}"/>
               </a:ext>
             </a:extLst>
           </p:cNvPr>
